--- a/rel-electro-immersif-originals/intervalle de temps.pptx
+++ b/rel-electro-immersif-originals/intervalle de temps.pptx
@@ -5,12 +5,11 @@
     <p:sldMasterId id="2147483648" r:id="rId1"/>
   </p:sldMasterIdLst>
   <p:sldIdLst>
-    <p:sldId id="2914" r:id="rId2"/>
-    <p:sldId id="2903" r:id="rId3"/>
-    <p:sldId id="2913" r:id="rId4"/>
-    <p:sldId id="2916" r:id="rId5"/>
-    <p:sldId id="2901" r:id="rId6"/>
-    <p:sldId id="2927" r:id="rId7"/>
+    <p:sldId id="2903" r:id="rId2"/>
+    <p:sldId id="2913" r:id="rId3"/>
+    <p:sldId id="2916" r:id="rId4"/>
+    <p:sldId id="2901" r:id="rId5"/>
+    <p:sldId id="2927" r:id="rId6"/>
   </p:sldIdLst>
   <p:sldSz cx="12192000" cy="6858000"/>
   <p:notesSz cx="6858000" cy="9144000"/>
@@ -117,16 +116,24 @@
 </p:presentation>
 </file>
 
-<file path=ppt/revisionInfo.xml><?xml version="1.0" encoding="utf-8"?>
-<p1510:revInfo xmlns:a="http://schemas.openxmlformats.org/drawingml/2006/main" xmlns:r="http://schemas.openxmlformats.org/officeDocument/2006/relationships" xmlns:p1510="http://schemas.microsoft.com/office/powerpoint/2015/10/main">
-  <p1510:revLst>
-    <p1510:client id="{0070C532-8D39-4810-9AFC-FBE77E81F1D7}" v="5" dt="2022-09-12T20:20:53.802"/>
-  </p1510:revLst>
-</p1510:revInfo>
-</file>
-
 <file path=ppt/changesInfos/changesInfo1.xml><?xml version="1.0" encoding="utf-8"?>
 <pc:chgInfo xmlns:a="http://schemas.openxmlformats.org/drawingml/2006/main" xmlns:r="http://schemas.openxmlformats.org/officeDocument/2006/relationships" xmlns:ac="http://schemas.microsoft.com/office/drawing/2013/main/command" xmlns:pc="http://schemas.microsoft.com/office/powerpoint/2013/main/command">
+  <pc:docChgLst>
+    <pc:chgData name="Thomas O Fredericks" userId="9a40f032a9b16fc7" providerId="LiveId" clId="{DEA53F46-7824-4151-8276-6090B223C932}"/>
+    <pc:docChg chg="delSld">
+      <pc:chgData name="Thomas O Fredericks" userId="9a40f032a9b16fc7" providerId="LiveId" clId="{DEA53F46-7824-4151-8276-6090B223C932}" dt="2022-09-13T23:05:20.259" v="0" actId="2696"/>
+      <pc:docMkLst>
+        <pc:docMk/>
+      </pc:docMkLst>
+      <pc:sldChg chg="del">
+        <pc:chgData name="Thomas O Fredericks" userId="9a40f032a9b16fc7" providerId="LiveId" clId="{DEA53F46-7824-4151-8276-6090B223C932}" dt="2022-09-13T23:05:20.259" v="0" actId="2696"/>
+        <pc:sldMkLst>
+          <pc:docMk/>
+          <pc:sldMk cId="3245012975" sldId="2914"/>
+        </pc:sldMkLst>
+      </pc:sldChg>
+    </pc:docChg>
+  </pc:docChgLst>
   <pc:docChgLst>
     <pc:chgData name="Thomas O Fredericks" userId="9a40f032a9b16fc7" providerId="LiveId" clId="{0070C532-8D39-4810-9AFC-FBE77E81F1D7}"/>
     <pc:docChg chg="addSld delSld modSld">
@@ -330,7 +337,7 @@
           <a:p>
             <a:fld id="{DCDD5F17-F228-4C32-BB08-C02CB1CDA8CD}" type="datetimeFigureOut">
               <a:rPr lang="fr-CA" smtClean="0"/>
-              <a:t>2022-09-12</a:t>
+              <a:t>2022-09-13</a:t>
             </a:fld>
             <a:endParaRPr lang="fr-CA"/>
           </a:p>
@@ -530,7 +537,7 @@
           <a:p>
             <a:fld id="{DCDD5F17-F228-4C32-BB08-C02CB1CDA8CD}" type="datetimeFigureOut">
               <a:rPr lang="fr-CA" smtClean="0"/>
-              <a:t>2022-09-12</a:t>
+              <a:t>2022-09-13</a:t>
             </a:fld>
             <a:endParaRPr lang="fr-CA"/>
           </a:p>
@@ -740,7 +747,7 @@
           <a:p>
             <a:fld id="{DCDD5F17-F228-4C32-BB08-C02CB1CDA8CD}" type="datetimeFigureOut">
               <a:rPr lang="fr-CA" smtClean="0"/>
-              <a:t>2022-09-12</a:t>
+              <a:t>2022-09-13</a:t>
             </a:fld>
             <a:endParaRPr lang="fr-CA"/>
           </a:p>
@@ -1279,7 +1286,7 @@
           <a:p>
             <a:fld id="{DCDD5F17-F228-4C32-BB08-C02CB1CDA8CD}" type="datetimeFigureOut">
               <a:rPr lang="fr-CA" smtClean="0"/>
-              <a:t>2022-09-12</a:t>
+              <a:t>2022-09-13</a:t>
             </a:fld>
             <a:endParaRPr lang="fr-CA"/>
           </a:p>
@@ -1555,7 +1562,7 @@
           <a:p>
             <a:fld id="{DCDD5F17-F228-4C32-BB08-C02CB1CDA8CD}" type="datetimeFigureOut">
               <a:rPr lang="fr-CA" smtClean="0"/>
-              <a:t>2022-09-12</a:t>
+              <a:t>2022-09-13</a:t>
             </a:fld>
             <a:endParaRPr lang="fr-CA"/>
           </a:p>
@@ -1823,7 +1830,7 @@
           <a:p>
             <a:fld id="{DCDD5F17-F228-4C32-BB08-C02CB1CDA8CD}" type="datetimeFigureOut">
               <a:rPr lang="fr-CA" smtClean="0"/>
-              <a:t>2022-09-12</a:t>
+              <a:t>2022-09-13</a:t>
             </a:fld>
             <a:endParaRPr lang="fr-CA"/>
           </a:p>
@@ -2238,7 +2245,7 @@
           <a:p>
             <a:fld id="{DCDD5F17-F228-4C32-BB08-C02CB1CDA8CD}" type="datetimeFigureOut">
               <a:rPr lang="fr-CA" smtClean="0"/>
-              <a:t>2022-09-12</a:t>
+              <a:t>2022-09-13</a:t>
             </a:fld>
             <a:endParaRPr lang="fr-CA"/>
           </a:p>
@@ -2380,7 +2387,7 @@
           <a:p>
             <a:fld id="{DCDD5F17-F228-4C32-BB08-C02CB1CDA8CD}" type="datetimeFigureOut">
               <a:rPr lang="fr-CA" smtClean="0"/>
-              <a:t>2022-09-12</a:t>
+              <a:t>2022-09-13</a:t>
             </a:fld>
             <a:endParaRPr lang="fr-CA"/>
           </a:p>
@@ -2493,7 +2500,7 @@
           <a:p>
             <a:fld id="{DCDD5F17-F228-4C32-BB08-C02CB1CDA8CD}" type="datetimeFigureOut">
               <a:rPr lang="fr-CA" smtClean="0"/>
-              <a:t>2022-09-12</a:t>
+              <a:t>2022-09-13</a:t>
             </a:fld>
             <a:endParaRPr lang="fr-CA"/>
           </a:p>
@@ -2806,7 +2813,7 @@
           <a:p>
             <a:fld id="{DCDD5F17-F228-4C32-BB08-C02CB1CDA8CD}" type="datetimeFigureOut">
               <a:rPr lang="fr-CA" smtClean="0"/>
-              <a:t>2022-09-12</a:t>
+              <a:t>2022-09-13</a:t>
             </a:fld>
             <a:endParaRPr lang="fr-CA"/>
           </a:p>
@@ -3095,7 +3102,7 @@
           <a:p>
             <a:fld id="{DCDD5F17-F228-4C32-BB08-C02CB1CDA8CD}" type="datetimeFigureOut">
               <a:rPr lang="fr-CA" smtClean="0"/>
-              <a:t>2022-09-12</a:t>
+              <a:t>2022-09-13</a:t>
             </a:fld>
             <a:endParaRPr lang="fr-CA"/>
           </a:p>
@@ -3338,7 +3345,7 @@
           <a:p>
             <a:fld id="{DCDD5F17-F228-4C32-BB08-C02CB1CDA8CD}" type="datetimeFigureOut">
               <a:rPr lang="fr-CA" smtClean="0"/>
-              <a:t>2022-09-12</a:t>
+              <a:t>2022-09-13</a:t>
             </a:fld>
             <a:endParaRPr lang="fr-CA"/>
           </a:p>
@@ -3781,326 +3788,6 @@
           <a:lstStyle/>
           <a:p>
             <a:r>
-              <a:rPr lang="en-CA" sz="2400" dirty="0"/>
-              <a:t>MILLIS()</a:t>
-            </a:r>
-            <a:endParaRPr lang="fr-CA" sz="2400" dirty="0"/>
-          </a:p>
-        </p:txBody>
-      </p:sp>
-      <p:sp>
-        <p:nvSpPr>
-          <p:cNvPr id="4" name="Rectangle 3">
-            <a:extLst>
-              <a:ext uri="{FF2B5EF4-FFF2-40B4-BE49-F238E27FC236}">
-                <a16:creationId xmlns:a16="http://schemas.microsoft.com/office/drawing/2014/main" id="{E3001BB3-065A-4843-852C-C820C64DFB59}"/>
-              </a:ext>
-            </a:extLst>
-          </p:cNvPr>
-          <p:cNvSpPr/>
-          <p:nvPr/>
-        </p:nvSpPr>
-        <p:spPr>
-          <a:xfrm>
-            <a:off x="994755" y="1304561"/>
-            <a:ext cx="10634749" cy="4524315"/>
-          </a:xfrm>
-          <a:prstGeom prst="rect">
-            <a:avLst/>
-          </a:prstGeom>
-        </p:spPr>
-        <p:txBody>
-          <a:bodyPr wrap="square">
-            <a:spAutoFit/>
-          </a:bodyPr>
-          <a:lstStyle/>
-          <a:p>
-            <a:r>
-              <a:rPr lang="fr-CA" sz="1600" dirty="0"/>
-              <a:t>Jusqu'à présent, lorsque vous vouliez que quelque chose se produise à un intervalle de temps spécifique avec l'Arduino, vous avez utilisé </a:t>
-            </a:r>
-            <a:r>
-              <a:rPr lang="fr-CA" sz="1600" dirty="0" err="1"/>
-              <a:t>delay</a:t>
-            </a:r>
-            <a:r>
-              <a:rPr lang="fr-CA" sz="1600" dirty="0"/>
-              <a:t>(). </a:t>
-            </a:r>
-          </a:p>
-          <a:p>
-            <a:endParaRPr lang="fr-CA" sz="1600" dirty="0"/>
-          </a:p>
-          <a:p>
-            <a:r>
-              <a:rPr lang="fr-CA" sz="1600" dirty="0"/>
-              <a:t>C'est pratique, mais un peu contraignant : lorsque l'Arduino appelle </a:t>
-            </a:r>
-            <a:r>
-              <a:rPr lang="fr-CA" sz="1600" dirty="0" err="1"/>
-              <a:t>delay</a:t>
-            </a:r>
-            <a:r>
-              <a:rPr lang="fr-CA" sz="1600" dirty="0"/>
-              <a:t>(), il gèle son état actuel pendant la durée du délai. </a:t>
-            </a:r>
-            <a:r>
-              <a:rPr lang="fr-CA" sz="1600" b="1" dirty="0"/>
-              <a:t>Cela signifie qu’il ne peut y avoir d’autre entrée ou sortie pendant l’attente. </a:t>
-            </a:r>
-          </a:p>
-          <a:p>
-            <a:endParaRPr lang="fr-CA" sz="1600" dirty="0"/>
-          </a:p>
-          <a:p>
-            <a:r>
-              <a:rPr lang="fr-CA" sz="1600" dirty="0"/>
-              <a:t>La fonction </a:t>
-            </a:r>
-            <a:r>
-              <a:rPr lang="fr-CA" sz="1600" dirty="0" err="1"/>
-              <a:t>millis</a:t>
-            </a:r>
-            <a:r>
-              <a:rPr lang="fr-CA" sz="1600" dirty="0"/>
-              <a:t>() permet de résoudre ce problème. Elle retourne le temps en millisecondes depuis le début de démarrage de votre Arduino. </a:t>
-            </a:r>
-          </a:p>
-          <a:p>
-            <a:endParaRPr lang="fr-CA" sz="1600" dirty="0"/>
-          </a:p>
-          <a:p>
-            <a:r>
-              <a:rPr lang="fr-CA" sz="1600" dirty="0"/>
-              <a:t>Jusqu'à présent, vous avez déclaré des variables comme étant des </a:t>
-            </a:r>
-            <a:r>
-              <a:rPr lang="fr-CA" sz="1600" i="1" dirty="0" err="1"/>
-              <a:t>int</a:t>
-            </a:r>
-            <a:r>
-              <a:rPr lang="fr-CA" sz="1600" dirty="0"/>
-              <a:t>. Un </a:t>
-            </a:r>
-            <a:r>
-              <a:rPr lang="fr-CA" sz="1600" i="1" dirty="0" err="1"/>
-              <a:t>int</a:t>
-            </a:r>
-            <a:r>
-              <a:rPr lang="fr-CA" sz="1600" dirty="0"/>
-              <a:t> est un nombre de 16 bits, il contient des valeurs comprises entre -32 768 et 32 ​​767. Ce sont peut-être des nombres importants, mais si l'Arduino compte en millisecondes, vous manquerez d'espace en moins d'une minute. </a:t>
-            </a:r>
-          </a:p>
-          <a:p>
-            <a:endParaRPr lang="fr-CA" sz="1600" dirty="0"/>
-          </a:p>
-          <a:p>
-            <a:r>
-              <a:rPr lang="fr-CA" sz="1600" dirty="0"/>
-              <a:t>Le type de données </a:t>
-            </a:r>
-            <a:r>
-              <a:rPr lang="fr-CA" sz="1600" i="1" dirty="0"/>
-              <a:t>long</a:t>
-            </a:r>
-            <a:r>
-              <a:rPr lang="fr-CA" sz="1600" dirty="0"/>
-              <a:t> peut contenir un nombre de 32 bits (entre -2 147 483 648 et 2 147 483 647). Comme vous ne pouvez pas exécuter le temps à rebours pour obtenir des nombres négatifs, nous utiliser le type </a:t>
-            </a:r>
-            <a:r>
-              <a:rPr lang="fr-CA" sz="1600" i="1" dirty="0" err="1"/>
-              <a:t>unsigned</a:t>
-            </a:r>
-            <a:r>
-              <a:rPr lang="fr-CA" sz="1600" i="1" dirty="0"/>
-              <a:t> long</a:t>
-            </a:r>
-            <a:r>
-              <a:rPr lang="fr-CA" sz="1600" dirty="0"/>
-              <a:t> pour stocker le temps. Lorsqu'un type de données est appelé non signé, il est que positif. Cela vous permet de compter avec des valeurs encore plus grandes. Un </a:t>
-            </a:r>
-            <a:r>
-              <a:rPr lang="fr-CA" sz="1600" i="1" dirty="0" err="1"/>
-              <a:t>unsigned</a:t>
-            </a:r>
-            <a:r>
-              <a:rPr lang="fr-CA" sz="1600" i="1" dirty="0"/>
-              <a:t> long</a:t>
-            </a:r>
-            <a:r>
-              <a:rPr lang="fr-CA" sz="1600" dirty="0"/>
-              <a:t> peut compter jusqu'à 4 294 967 295. C’est assez d’espace pour stocker le temps pendant près de 50 jours. En comparant le </a:t>
-            </a:r>
-            <a:r>
-              <a:rPr lang="fr-CA" sz="1600" dirty="0" err="1"/>
-              <a:t>millis</a:t>
-            </a:r>
-            <a:r>
-              <a:rPr lang="fr-CA" sz="1600" dirty="0"/>
-              <a:t>() actuel à une valeur spécifique, vous pouvez voir si un certain temps s'est écoulé.</a:t>
-            </a:r>
-          </a:p>
-        </p:txBody>
-      </p:sp>
-      <p:sp>
-        <p:nvSpPr>
-          <p:cNvPr id="10" name="Rectangle 9">
-            <a:extLst>
-              <a:ext uri="{FF2B5EF4-FFF2-40B4-BE49-F238E27FC236}">
-                <a16:creationId xmlns:a16="http://schemas.microsoft.com/office/drawing/2014/main" id="{A4DE38F6-6E67-4F09-81A4-1DC633BC7493}"/>
-              </a:ext>
-            </a:extLst>
-          </p:cNvPr>
-          <p:cNvSpPr/>
-          <p:nvPr/>
-        </p:nvSpPr>
-        <p:spPr>
-          <a:xfrm>
-            <a:off x="2036618" y="5992252"/>
-            <a:ext cx="6251172" cy="286870"/>
-          </a:xfrm>
-          <a:prstGeom prst="rect">
-            <a:avLst/>
-          </a:prstGeom>
-          <a:solidFill>
-            <a:schemeClr val="accent3"/>
-          </a:solidFill>
-          <a:ln>
-            <a:noFill/>
-          </a:ln>
-        </p:spPr>
-        <p:style>
-          <a:lnRef idx="2">
-            <a:schemeClr val="accent1">
-              <a:shade val="50000"/>
-            </a:schemeClr>
-          </a:lnRef>
-          <a:fillRef idx="1">
-            <a:schemeClr val="accent1"/>
-          </a:fillRef>
-          <a:effectRef idx="0">
-            <a:schemeClr val="accent1"/>
-          </a:effectRef>
-          <a:fontRef idx="minor">
-            <a:schemeClr val="lt1"/>
-          </a:fontRef>
-        </p:style>
-        <p:txBody>
-          <a:bodyPr rtlCol="0" anchor="ctr"/>
-          <a:lstStyle/>
-          <a:p>
-            <a:pPr algn="ctr"/>
-            <a:r>
-              <a:rPr lang="fr-CA" dirty="0">
-                <a:solidFill>
-                  <a:schemeClr val="tx1"/>
-                </a:solidFill>
-              </a:rPr>
-              <a:t>(</a:t>
-            </a:r>
-            <a:r>
-              <a:rPr lang="fr-CA" dirty="0" err="1">
-                <a:solidFill>
-                  <a:schemeClr val="tx1"/>
-                </a:solidFill>
-              </a:rPr>
-              <a:t>unsigned</a:t>
-            </a:r>
-            <a:r>
-              <a:rPr lang="fr-CA" dirty="0">
-                <a:solidFill>
-                  <a:schemeClr val="tx1"/>
-                </a:solidFill>
-              </a:rPr>
-              <a:t> long ) temps écoulé en millisecondes depuis le démarrage</a:t>
-            </a:r>
-          </a:p>
-        </p:txBody>
-      </p:sp>
-      <p:pic>
-        <p:nvPicPr>
-          <p:cNvPr id="6" name="Image 5">
-            <a:extLst>
-              <a:ext uri="{FF2B5EF4-FFF2-40B4-BE49-F238E27FC236}">
-                <a16:creationId xmlns:a16="http://schemas.microsoft.com/office/drawing/2014/main" id="{FC1841C4-BF78-4240-BEA8-2935EE176019}"/>
-              </a:ext>
-            </a:extLst>
-          </p:cNvPr>
-          <p:cNvPicPr>
-            <a:picLocks noChangeAspect="1"/>
-          </p:cNvPicPr>
-          <p:nvPr/>
-        </p:nvPicPr>
-        <p:blipFill>
-          <a:blip r:embed="rId2"/>
-          <a:stretch>
-            <a:fillRect/>
-          </a:stretch>
-        </p:blipFill>
-        <p:spPr>
-          <a:xfrm>
-            <a:off x="8405841" y="5992252"/>
-            <a:ext cx="1348857" cy="312447"/>
-          </a:xfrm>
-          <a:prstGeom prst="rect">
-            <a:avLst/>
-          </a:prstGeom>
-        </p:spPr>
-      </p:pic>
-    </p:spTree>
-    <p:extLst>
-      <p:ext uri="{BB962C8B-B14F-4D97-AF65-F5344CB8AC3E}">
-        <p14:creationId xmlns:p14="http://schemas.microsoft.com/office/powerpoint/2010/main" val="3245012975"/>
-      </p:ext>
-    </p:extLst>
-  </p:cSld>
-  <p:clrMapOvr>
-    <a:masterClrMapping/>
-  </p:clrMapOvr>
-</p:sld>
-</file>
-
-<file path=ppt/slides/slide2.xml><?xml version="1.0" encoding="utf-8"?>
-<p:sld xmlns:a="http://schemas.openxmlformats.org/drawingml/2006/main" xmlns:r="http://schemas.openxmlformats.org/officeDocument/2006/relationships" xmlns:p="http://schemas.openxmlformats.org/presentationml/2006/main">
-  <p:cSld>
-    <p:spTree>
-      <p:nvGrpSpPr>
-        <p:cNvPr id="1" name=""/>
-        <p:cNvGrpSpPr/>
-        <p:nvPr/>
-      </p:nvGrpSpPr>
-      <p:grpSpPr>
-        <a:xfrm>
-          <a:off x="0" y="0"/>
-          <a:ext cx="0" cy="0"/>
-          <a:chOff x="0" y="0"/>
-          <a:chExt cx="0" cy="0"/>
-        </a:xfrm>
-      </p:grpSpPr>
-      <p:sp>
-        <p:nvSpPr>
-          <p:cNvPr id="2" name="Titre 1">
-            <a:extLst>
-              <a:ext uri="{FF2B5EF4-FFF2-40B4-BE49-F238E27FC236}">
-                <a16:creationId xmlns:a16="http://schemas.microsoft.com/office/drawing/2014/main" id="{7005A587-273D-4A3C-859E-17AD32EABF34}"/>
-              </a:ext>
-            </a:extLst>
-          </p:cNvPr>
-          <p:cNvSpPr>
-            <a:spLocks noGrp="1"/>
-          </p:cNvSpPr>
-          <p:nvPr>
-            <p:ph type="title"/>
-          </p:nvPr>
-        </p:nvSpPr>
-        <p:spPr/>
-        <p:txBody>
-          <a:bodyPr>
-            <a:normAutofit/>
-          </a:bodyPr>
-          <a:lstStyle/>
-          <a:p>
-            <a:r>
               <a:rPr lang="en-CA" sz="2800" dirty="0"/>
               <a:t>MESURER LE TEMPS (BOUTS DE CODE)</a:t>
             </a:r>
@@ -4677,7 +4364,7 @@
 </p:sld>
 </file>
 
-<file path=ppt/slides/slide3.xml><?xml version="1.0" encoding="utf-8"?>
+<file path=ppt/slides/slide2.xml><?xml version="1.0" encoding="utf-8"?>
 <p:sld xmlns:a="http://schemas.openxmlformats.org/drawingml/2006/main" xmlns:r="http://schemas.openxmlformats.org/officeDocument/2006/relationships" xmlns:p="http://schemas.openxmlformats.org/presentationml/2006/main">
   <p:cSld>
     <p:spTree>
@@ -4902,7 +4589,7 @@
 </p:sld>
 </file>
 
-<file path=ppt/slides/slide4.xml><?xml version="1.0" encoding="utf-8"?>
+<file path=ppt/slides/slide3.xml><?xml version="1.0" encoding="utf-8"?>
 <p:sld xmlns:a="http://schemas.openxmlformats.org/drawingml/2006/main" xmlns:r="http://schemas.openxmlformats.org/officeDocument/2006/relationships" xmlns:p="http://schemas.openxmlformats.org/presentationml/2006/main">
   <p:cSld>
     <p:spTree>
@@ -4993,7 +4680,7 @@
 </p:sld>
 </file>
 
-<file path=ppt/slides/slide5.xml><?xml version="1.0" encoding="utf-8"?>
+<file path=ppt/slides/slide4.xml><?xml version="1.0" encoding="utf-8"?>
 <p:sld xmlns:a="http://schemas.openxmlformats.org/drawingml/2006/main" xmlns:r="http://schemas.openxmlformats.org/officeDocument/2006/relationships" xmlns:p="http://schemas.openxmlformats.org/presentationml/2006/main">
   <p:cSld>
     <p:spTree>
@@ -5115,7 +4802,7 @@
 </p:sld>
 </file>
 
-<file path=ppt/slides/slide6.xml><?xml version="1.0" encoding="utf-8"?>
+<file path=ppt/slides/slide5.xml><?xml version="1.0" encoding="utf-8"?>
 <p:sld xmlns:a="http://schemas.openxmlformats.org/drawingml/2006/main" xmlns:r="http://schemas.openxmlformats.org/officeDocument/2006/relationships" xmlns:p="http://schemas.openxmlformats.org/presentationml/2006/main">
   <p:cSld>
     <p:spTree>

--- a/rel-electro-immersif-originals/intervalle de temps.pptx
+++ b/rel-electro-immersif-originals/intervalle de temps.pptx
@@ -5,11 +5,10 @@
     <p:sldMasterId id="2147483648" r:id="rId1"/>
   </p:sldMasterIdLst>
   <p:sldIdLst>
-    <p:sldId id="2903" r:id="rId2"/>
-    <p:sldId id="2913" r:id="rId3"/>
-    <p:sldId id="2916" r:id="rId4"/>
-    <p:sldId id="2901" r:id="rId5"/>
-    <p:sldId id="2927" r:id="rId6"/>
+    <p:sldId id="2913" r:id="rId2"/>
+    <p:sldId id="2916" r:id="rId3"/>
+    <p:sldId id="2901" r:id="rId4"/>
+    <p:sldId id="2927" r:id="rId5"/>
   </p:sldIdLst>
   <p:sldSz cx="12192000" cy="6858000"/>
   <p:notesSz cx="6858000" cy="9144000"/>
@@ -116,8 +115,192 @@
 </p:presentation>
 </file>
 
+<file path=ppt/revisionInfo.xml><?xml version="1.0" encoding="utf-8"?>
+<p1510:revInfo xmlns:a="http://schemas.openxmlformats.org/drawingml/2006/main" xmlns:r="http://schemas.openxmlformats.org/officeDocument/2006/relationships" xmlns:p1510="http://schemas.microsoft.com/office/powerpoint/2015/10/main">
+  <p1510:revLst>
+    <p1510:client id="{F7DD9F87-4AF9-404D-AB3A-56CA7A6FF0D4}" v="1" dt="2022-09-14T13:09:55.595"/>
+  </p1510:revLst>
+</p1510:revInfo>
+</file>
+
 <file path=ppt/changesInfos/changesInfo1.xml><?xml version="1.0" encoding="utf-8"?>
 <pc:chgInfo xmlns:a="http://schemas.openxmlformats.org/drawingml/2006/main" xmlns:r="http://schemas.openxmlformats.org/officeDocument/2006/relationships" xmlns:ac="http://schemas.microsoft.com/office/drawing/2013/main/command" xmlns:pc="http://schemas.microsoft.com/office/powerpoint/2013/main/command">
+  <pc:docChgLst>
+    <pc:chgData name="Thomas O Fredericks" userId="9a40f032a9b16fc7" providerId="LiveId" clId="{F7DD9F87-4AF9-404D-AB3A-56CA7A6FF0D4}"/>
+    <pc:docChg chg="undo custSel delSld modSld">
+      <pc:chgData name="Thomas O Fredericks" userId="9a40f032a9b16fc7" providerId="LiveId" clId="{F7DD9F87-4AF9-404D-AB3A-56CA7A6FF0D4}" dt="2022-09-14T13:21:46.928" v="110" actId="47"/>
+      <pc:docMkLst>
+        <pc:docMk/>
+      </pc:docMkLst>
+      <pc:sldChg chg="addSp delSp modSp del mod">
+        <pc:chgData name="Thomas O Fredericks" userId="9a40f032a9b16fc7" providerId="LiveId" clId="{F7DD9F87-4AF9-404D-AB3A-56CA7A6FF0D4}" dt="2022-09-14T13:21:46.928" v="110" actId="47"/>
+        <pc:sldMkLst>
+          <pc:docMk/>
+          <pc:sldMk cId="3771328365" sldId="2903"/>
+        </pc:sldMkLst>
+        <pc:spChg chg="del">
+          <ac:chgData name="Thomas O Fredericks" userId="9a40f032a9b16fc7" providerId="LiveId" clId="{F7DD9F87-4AF9-404D-AB3A-56CA7A6FF0D4}" dt="2022-09-14T13:08:41.739" v="0" actId="478"/>
+          <ac:spMkLst>
+            <pc:docMk/>
+            <pc:sldMk cId="3771328365" sldId="2903"/>
+            <ac:spMk id="2" creationId="{7005A587-273D-4A3C-859E-17AD32EABF34}"/>
+          </ac:spMkLst>
+        </pc:spChg>
+        <pc:spChg chg="add del mod">
+          <ac:chgData name="Thomas O Fredericks" userId="9a40f032a9b16fc7" providerId="LiveId" clId="{F7DD9F87-4AF9-404D-AB3A-56CA7A6FF0D4}" dt="2022-09-14T13:08:42.756" v="1" actId="478"/>
+          <ac:spMkLst>
+            <pc:docMk/>
+            <pc:sldMk cId="3771328365" sldId="2903"/>
+            <ac:spMk id="4" creationId="{70DE8CEE-41D1-C6E0-C328-6186061D65F4}"/>
+          </ac:spMkLst>
+        </pc:spChg>
+        <pc:spChg chg="mod">
+          <ac:chgData name="Thomas O Fredericks" userId="9a40f032a9b16fc7" providerId="LiveId" clId="{F7DD9F87-4AF9-404D-AB3A-56CA7A6FF0D4}" dt="2022-09-14T13:10:52.519" v="68" actId="14100"/>
+          <ac:spMkLst>
+            <pc:docMk/>
+            <pc:sldMk cId="3771328365" sldId="2903"/>
+            <ac:spMk id="39" creationId="{BC8B228C-1F78-4B57-9871-DC0712061941}"/>
+          </ac:spMkLst>
+        </pc:spChg>
+        <pc:spChg chg="mod">
+          <ac:chgData name="Thomas O Fredericks" userId="9a40f032a9b16fc7" providerId="LiveId" clId="{F7DD9F87-4AF9-404D-AB3A-56CA7A6FF0D4}" dt="2022-09-14T13:10:54.690" v="69" actId="14100"/>
+          <ac:spMkLst>
+            <pc:docMk/>
+            <pc:sldMk cId="3771328365" sldId="2903"/>
+            <ac:spMk id="40" creationId="{C3D796ED-DF5F-4FE0-897F-638D45F81C07}"/>
+          </ac:spMkLst>
+        </pc:spChg>
+        <pc:spChg chg="mod">
+          <ac:chgData name="Thomas O Fredericks" userId="9a40f032a9b16fc7" providerId="LiveId" clId="{F7DD9F87-4AF9-404D-AB3A-56CA7A6FF0D4}" dt="2022-09-14T13:11:37.065" v="90" actId="14100"/>
+          <ac:spMkLst>
+            <pc:docMk/>
+            <pc:sldMk cId="3771328365" sldId="2903"/>
+            <ac:spMk id="41" creationId="{9B23C17D-32D0-4CF6-A2B9-6812CEC12B71}"/>
+          </ac:spMkLst>
+        </pc:spChg>
+        <pc:spChg chg="mod">
+          <ac:chgData name="Thomas O Fredericks" userId="9a40f032a9b16fc7" providerId="LiveId" clId="{F7DD9F87-4AF9-404D-AB3A-56CA7A6FF0D4}" dt="2022-09-14T13:11:39.556" v="91" actId="14100"/>
+          <ac:spMkLst>
+            <pc:docMk/>
+            <pc:sldMk cId="3771328365" sldId="2903"/>
+            <ac:spMk id="42" creationId="{E32945DF-D482-4F65-9C41-D63CD6706E9A}"/>
+          </ac:spMkLst>
+        </pc:spChg>
+        <pc:spChg chg="mod">
+          <ac:chgData name="Thomas O Fredericks" userId="9a40f032a9b16fc7" providerId="LiveId" clId="{F7DD9F87-4AF9-404D-AB3A-56CA7A6FF0D4}" dt="2022-09-14T13:13:33.865" v="108" actId="20577"/>
+          <ac:spMkLst>
+            <pc:docMk/>
+            <pc:sldMk cId="3771328365" sldId="2903"/>
+            <ac:spMk id="44" creationId="{4CC0A672-FE43-4BA5-A373-7A2F18C0AA4B}"/>
+          </ac:spMkLst>
+        </pc:spChg>
+        <pc:spChg chg="mod">
+          <ac:chgData name="Thomas O Fredericks" userId="9a40f032a9b16fc7" providerId="LiveId" clId="{F7DD9F87-4AF9-404D-AB3A-56CA7A6FF0D4}" dt="2022-09-14T13:13:03.733" v="102" actId="1076"/>
+          <ac:spMkLst>
+            <pc:docMk/>
+            <pc:sldMk cId="3771328365" sldId="2903"/>
+            <ac:spMk id="45" creationId="{4B9CF386-4212-4D9E-9A69-869A33CBBB9D}"/>
+          </ac:spMkLst>
+        </pc:spChg>
+        <pc:spChg chg="mod">
+          <ac:chgData name="Thomas O Fredericks" userId="9a40f032a9b16fc7" providerId="LiveId" clId="{F7DD9F87-4AF9-404D-AB3A-56CA7A6FF0D4}" dt="2022-09-14T13:13:35.398" v="109" actId="20577"/>
+          <ac:spMkLst>
+            <pc:docMk/>
+            <pc:sldMk cId="3771328365" sldId="2903"/>
+            <ac:spMk id="46" creationId="{02A75211-6D35-48C5-AA36-DB916E120B4F}"/>
+          </ac:spMkLst>
+        </pc:spChg>
+        <pc:spChg chg="mod">
+          <ac:chgData name="Thomas O Fredericks" userId="9a40f032a9b16fc7" providerId="LiveId" clId="{F7DD9F87-4AF9-404D-AB3A-56CA7A6FF0D4}" dt="2022-09-14T13:13:15.285" v="105" actId="14100"/>
+          <ac:spMkLst>
+            <pc:docMk/>
+            <pc:sldMk cId="3771328365" sldId="2903"/>
+            <ac:spMk id="47" creationId="{E8A546A9-2EA9-4DEC-98A0-4F05A7F21672}"/>
+          </ac:spMkLst>
+        </pc:spChg>
+        <pc:grpChg chg="add mod">
+          <ac:chgData name="Thomas O Fredericks" userId="9a40f032a9b16fc7" providerId="LiveId" clId="{F7DD9F87-4AF9-404D-AB3A-56CA7A6FF0D4}" dt="2022-09-14T13:09:55.595" v="15" actId="164"/>
+          <ac:grpSpMkLst>
+            <pc:docMk/>
+            <pc:sldMk cId="3771328365" sldId="2903"/>
+            <ac:grpSpMk id="7" creationId="{7F221C5C-08AE-2520-C0E5-F08B3874C08F}"/>
+          </ac:grpSpMkLst>
+        </pc:grpChg>
+        <pc:picChg chg="add mod">
+          <ac:chgData name="Thomas O Fredericks" userId="9a40f032a9b16fc7" providerId="LiveId" clId="{F7DD9F87-4AF9-404D-AB3A-56CA7A6FF0D4}" dt="2022-09-14T13:11:45.421" v="93" actId="1076"/>
+          <ac:picMkLst>
+            <pc:docMk/>
+            <pc:sldMk cId="3771328365" sldId="2903"/>
+            <ac:picMk id="6" creationId="{DCBE1DBB-6280-44BA-D2F6-084B09F071B1}"/>
+          </ac:picMkLst>
+        </pc:picChg>
+        <pc:picChg chg="add del">
+          <ac:chgData name="Thomas O Fredericks" userId="9a40f032a9b16fc7" providerId="LiveId" clId="{F7DD9F87-4AF9-404D-AB3A-56CA7A6FF0D4}" dt="2022-09-14T13:11:24.581" v="87" actId="478"/>
+          <ac:picMkLst>
+            <pc:docMk/>
+            <pc:sldMk cId="3771328365" sldId="2903"/>
+            <ac:picMk id="9" creationId="{20859E64-30D9-775D-103B-4DC05FB727DE}"/>
+          </ac:picMkLst>
+        </pc:picChg>
+        <pc:picChg chg="add mod">
+          <ac:chgData name="Thomas O Fredericks" userId="9a40f032a9b16fc7" providerId="LiveId" clId="{F7DD9F87-4AF9-404D-AB3A-56CA7A6FF0D4}" dt="2022-09-14T13:11:41.572" v="92" actId="1076"/>
+          <ac:picMkLst>
+            <pc:docMk/>
+            <pc:sldMk cId="3771328365" sldId="2903"/>
+            <ac:picMk id="11" creationId="{1C3666F6-375C-75CC-8D97-A5BEFC8BB905}"/>
+          </ac:picMkLst>
+        </pc:picChg>
+        <pc:picChg chg="add mod">
+          <ac:chgData name="Thomas O Fredericks" userId="9a40f032a9b16fc7" providerId="LiveId" clId="{F7DD9F87-4AF9-404D-AB3A-56CA7A6FF0D4}" dt="2022-09-14T13:13:22.984" v="107" actId="1076"/>
+          <ac:picMkLst>
+            <pc:docMk/>
+            <pc:sldMk cId="3771328365" sldId="2903"/>
+            <ac:picMk id="13" creationId="{EDB08D0C-E6BE-C331-58CD-08E3AF23ED56}"/>
+          </ac:picMkLst>
+        </pc:picChg>
+        <pc:picChg chg="del">
+          <ac:chgData name="Thomas O Fredericks" userId="9a40f032a9b16fc7" providerId="LiveId" clId="{F7DD9F87-4AF9-404D-AB3A-56CA7A6FF0D4}" dt="2022-09-14T13:09:25.565" v="2" actId="478"/>
+          <ac:picMkLst>
+            <pc:docMk/>
+            <pc:sldMk cId="3771328365" sldId="2903"/>
+            <ac:picMk id="14" creationId="{D2F53162-8EFE-475E-A5C7-DB500562ACB3}"/>
+          </ac:picMkLst>
+        </pc:picChg>
+        <pc:picChg chg="add mod">
+          <ac:chgData name="Thomas O Fredericks" userId="9a40f032a9b16fc7" providerId="LiveId" clId="{F7DD9F87-4AF9-404D-AB3A-56CA7A6FF0D4}" dt="2022-09-14T13:13:20.210" v="106" actId="1076"/>
+          <ac:picMkLst>
+            <pc:docMk/>
+            <pc:sldMk cId="3771328365" sldId="2903"/>
+            <ac:picMk id="16" creationId="{ACBE8AA1-173F-839C-B3A8-298D5B0D9CAD}"/>
+          </ac:picMkLst>
+        </pc:picChg>
+        <pc:picChg chg="del">
+          <ac:chgData name="Thomas O Fredericks" userId="9a40f032a9b16fc7" providerId="LiveId" clId="{F7DD9F87-4AF9-404D-AB3A-56CA7A6FF0D4}" dt="2022-09-14T13:10:46.364" v="67" actId="478"/>
+          <ac:picMkLst>
+            <pc:docMk/>
+            <pc:sldMk cId="3771328365" sldId="2903"/>
+            <ac:picMk id="33" creationId="{27CAA48D-5FEB-4C27-85B1-5A7D6D9DBCC7}"/>
+          </ac:picMkLst>
+        </pc:picChg>
+        <pc:picChg chg="del mod">
+          <ac:chgData name="Thomas O Fredericks" userId="9a40f032a9b16fc7" providerId="LiveId" clId="{F7DD9F87-4AF9-404D-AB3A-56CA7A6FF0D4}" dt="2022-09-14T13:12:03.949" v="94" actId="478"/>
+          <ac:picMkLst>
+            <pc:docMk/>
+            <pc:sldMk cId="3771328365" sldId="2903"/>
+            <ac:picMk id="36" creationId="{F5BF03D4-E8F8-4B6D-9111-6BA860BAA535}"/>
+          </ac:picMkLst>
+        </pc:picChg>
+        <pc:picChg chg="del mod">
+          <ac:chgData name="Thomas O Fredericks" userId="9a40f032a9b16fc7" providerId="LiveId" clId="{F7DD9F87-4AF9-404D-AB3A-56CA7A6FF0D4}" dt="2022-09-14T13:12:53.669" v="98" actId="478"/>
+          <ac:picMkLst>
+            <pc:docMk/>
+            <pc:sldMk cId="3771328365" sldId="2903"/>
+            <ac:picMk id="38" creationId="{EA63B3C4-5B19-4B33-AF5B-94BB2E3F545B}"/>
+          </ac:picMkLst>
+        </pc:picChg>
+      </pc:sldChg>
+    </pc:docChg>
+  </pc:docChgLst>
   <pc:docChgLst>
     <pc:chgData name="Thomas O Fredericks" userId="9a40f032a9b16fc7" providerId="LiveId" clId="{DEA53F46-7824-4151-8276-6090B223C932}"/>
     <pc:docChg chg="delSld">
@@ -337,7 +520,7 @@
           <a:p>
             <a:fld id="{DCDD5F17-F228-4C32-BB08-C02CB1CDA8CD}" type="datetimeFigureOut">
               <a:rPr lang="fr-CA" smtClean="0"/>
-              <a:t>2022-09-13</a:t>
+              <a:t>2022-09-14</a:t>
             </a:fld>
             <a:endParaRPr lang="fr-CA"/>
           </a:p>
@@ -391,7 +574,7 @@
           <a:p>
             <a:fld id="{F4C4E7BF-5668-49E5-BD2A-F7C89328E1EC}" type="slidenum">
               <a:rPr lang="fr-CA" smtClean="0"/>
-              <a:t>‹N°›</a:t>
+              <a:t>‹#›</a:t>
             </a:fld>
             <a:endParaRPr lang="fr-CA"/>
           </a:p>
@@ -537,7 +720,7 @@
           <a:p>
             <a:fld id="{DCDD5F17-F228-4C32-BB08-C02CB1CDA8CD}" type="datetimeFigureOut">
               <a:rPr lang="fr-CA" smtClean="0"/>
-              <a:t>2022-09-13</a:t>
+              <a:t>2022-09-14</a:t>
             </a:fld>
             <a:endParaRPr lang="fr-CA"/>
           </a:p>
@@ -591,7 +774,7 @@
           <a:p>
             <a:fld id="{F4C4E7BF-5668-49E5-BD2A-F7C89328E1EC}" type="slidenum">
               <a:rPr lang="fr-CA" smtClean="0"/>
-              <a:t>‹N°›</a:t>
+              <a:t>‹#›</a:t>
             </a:fld>
             <a:endParaRPr lang="fr-CA"/>
           </a:p>
@@ -747,7 +930,7 @@
           <a:p>
             <a:fld id="{DCDD5F17-F228-4C32-BB08-C02CB1CDA8CD}" type="datetimeFigureOut">
               <a:rPr lang="fr-CA" smtClean="0"/>
-              <a:t>2022-09-13</a:t>
+              <a:t>2022-09-14</a:t>
             </a:fld>
             <a:endParaRPr lang="fr-CA"/>
           </a:p>
@@ -801,7 +984,7 @@
           <a:p>
             <a:fld id="{F4C4E7BF-5668-49E5-BD2A-F7C89328E1EC}" type="slidenum">
               <a:rPr lang="fr-CA" smtClean="0"/>
-              <a:t>‹N°›</a:t>
+              <a:t>‹#›</a:t>
             </a:fld>
             <a:endParaRPr lang="fr-CA"/>
           </a:p>
@@ -1286,7 +1469,7 @@
           <a:p>
             <a:fld id="{DCDD5F17-F228-4C32-BB08-C02CB1CDA8CD}" type="datetimeFigureOut">
               <a:rPr lang="fr-CA" smtClean="0"/>
-              <a:t>2022-09-13</a:t>
+              <a:t>2022-09-14</a:t>
             </a:fld>
             <a:endParaRPr lang="fr-CA"/>
           </a:p>
@@ -1340,7 +1523,7 @@
           <a:p>
             <a:fld id="{F4C4E7BF-5668-49E5-BD2A-F7C89328E1EC}" type="slidenum">
               <a:rPr lang="fr-CA" smtClean="0"/>
-              <a:t>‹N°›</a:t>
+              <a:t>‹#›</a:t>
             </a:fld>
             <a:endParaRPr lang="fr-CA"/>
           </a:p>
@@ -1562,7 +1745,7 @@
           <a:p>
             <a:fld id="{DCDD5F17-F228-4C32-BB08-C02CB1CDA8CD}" type="datetimeFigureOut">
               <a:rPr lang="fr-CA" smtClean="0"/>
-              <a:t>2022-09-13</a:t>
+              <a:t>2022-09-14</a:t>
             </a:fld>
             <a:endParaRPr lang="fr-CA"/>
           </a:p>
@@ -1616,7 +1799,7 @@
           <a:p>
             <a:fld id="{F4C4E7BF-5668-49E5-BD2A-F7C89328E1EC}" type="slidenum">
               <a:rPr lang="fr-CA" smtClean="0"/>
-              <a:t>‹N°›</a:t>
+              <a:t>‹#›</a:t>
             </a:fld>
             <a:endParaRPr lang="fr-CA"/>
           </a:p>
@@ -1830,7 +2013,7 @@
           <a:p>
             <a:fld id="{DCDD5F17-F228-4C32-BB08-C02CB1CDA8CD}" type="datetimeFigureOut">
               <a:rPr lang="fr-CA" smtClean="0"/>
-              <a:t>2022-09-13</a:t>
+              <a:t>2022-09-14</a:t>
             </a:fld>
             <a:endParaRPr lang="fr-CA"/>
           </a:p>
@@ -1884,7 +2067,7 @@
           <a:p>
             <a:fld id="{F4C4E7BF-5668-49E5-BD2A-F7C89328E1EC}" type="slidenum">
               <a:rPr lang="fr-CA" smtClean="0"/>
-              <a:t>‹N°›</a:t>
+              <a:t>‹#›</a:t>
             </a:fld>
             <a:endParaRPr lang="fr-CA"/>
           </a:p>
@@ -2245,7 +2428,7 @@
           <a:p>
             <a:fld id="{DCDD5F17-F228-4C32-BB08-C02CB1CDA8CD}" type="datetimeFigureOut">
               <a:rPr lang="fr-CA" smtClean="0"/>
-              <a:t>2022-09-13</a:t>
+              <a:t>2022-09-14</a:t>
             </a:fld>
             <a:endParaRPr lang="fr-CA"/>
           </a:p>
@@ -2299,7 +2482,7 @@
           <a:p>
             <a:fld id="{F4C4E7BF-5668-49E5-BD2A-F7C89328E1EC}" type="slidenum">
               <a:rPr lang="fr-CA" smtClean="0"/>
-              <a:t>‹N°›</a:t>
+              <a:t>‹#›</a:t>
             </a:fld>
             <a:endParaRPr lang="fr-CA"/>
           </a:p>
@@ -2387,7 +2570,7 @@
           <a:p>
             <a:fld id="{DCDD5F17-F228-4C32-BB08-C02CB1CDA8CD}" type="datetimeFigureOut">
               <a:rPr lang="fr-CA" smtClean="0"/>
-              <a:t>2022-09-13</a:t>
+              <a:t>2022-09-14</a:t>
             </a:fld>
             <a:endParaRPr lang="fr-CA"/>
           </a:p>
@@ -2441,7 +2624,7 @@
           <a:p>
             <a:fld id="{F4C4E7BF-5668-49E5-BD2A-F7C89328E1EC}" type="slidenum">
               <a:rPr lang="fr-CA" smtClean="0"/>
-              <a:t>‹N°›</a:t>
+              <a:t>‹#›</a:t>
             </a:fld>
             <a:endParaRPr lang="fr-CA"/>
           </a:p>
@@ -2500,7 +2683,7 @@
           <a:p>
             <a:fld id="{DCDD5F17-F228-4C32-BB08-C02CB1CDA8CD}" type="datetimeFigureOut">
               <a:rPr lang="fr-CA" smtClean="0"/>
-              <a:t>2022-09-13</a:t>
+              <a:t>2022-09-14</a:t>
             </a:fld>
             <a:endParaRPr lang="fr-CA"/>
           </a:p>
@@ -2554,7 +2737,7 @@
           <a:p>
             <a:fld id="{F4C4E7BF-5668-49E5-BD2A-F7C89328E1EC}" type="slidenum">
               <a:rPr lang="fr-CA" smtClean="0"/>
-              <a:t>‹N°›</a:t>
+              <a:t>‹#›</a:t>
             </a:fld>
             <a:endParaRPr lang="fr-CA"/>
           </a:p>
@@ -2813,7 +2996,7 @@
           <a:p>
             <a:fld id="{DCDD5F17-F228-4C32-BB08-C02CB1CDA8CD}" type="datetimeFigureOut">
               <a:rPr lang="fr-CA" smtClean="0"/>
-              <a:t>2022-09-13</a:t>
+              <a:t>2022-09-14</a:t>
             </a:fld>
             <a:endParaRPr lang="fr-CA"/>
           </a:p>
@@ -2867,7 +3050,7 @@
           <a:p>
             <a:fld id="{F4C4E7BF-5668-49E5-BD2A-F7C89328E1EC}" type="slidenum">
               <a:rPr lang="fr-CA" smtClean="0"/>
-              <a:t>‹N°›</a:t>
+              <a:t>‹#›</a:t>
             </a:fld>
             <a:endParaRPr lang="fr-CA"/>
           </a:p>
@@ -3102,7 +3285,7 @@
           <a:p>
             <a:fld id="{DCDD5F17-F228-4C32-BB08-C02CB1CDA8CD}" type="datetimeFigureOut">
               <a:rPr lang="fr-CA" smtClean="0"/>
-              <a:t>2022-09-13</a:t>
+              <a:t>2022-09-14</a:t>
             </a:fld>
             <a:endParaRPr lang="fr-CA"/>
           </a:p>
@@ -3156,7 +3339,7 @@
           <a:p>
             <a:fld id="{F4C4E7BF-5668-49E5-BD2A-F7C89328E1EC}" type="slidenum">
               <a:rPr lang="fr-CA" smtClean="0"/>
-              <a:t>‹N°›</a:t>
+              <a:t>‹#›</a:t>
             </a:fld>
             <a:endParaRPr lang="fr-CA"/>
           </a:p>
@@ -3345,7 +3528,7 @@
           <a:p>
             <a:fld id="{DCDD5F17-F228-4C32-BB08-C02CB1CDA8CD}" type="datetimeFigureOut">
               <a:rPr lang="fr-CA" smtClean="0"/>
-              <a:t>2022-09-13</a:t>
+              <a:t>2022-09-14</a:t>
             </a:fld>
             <a:endParaRPr lang="fr-CA"/>
           </a:p>
@@ -3435,7 +3618,7 @@
           <a:p>
             <a:fld id="{F4C4E7BF-5668-49E5-BD2A-F7C89328E1EC}" type="slidenum">
               <a:rPr lang="fr-CA" smtClean="0"/>
-              <a:t>‹N°›</a:t>
+              <a:t>‹#›</a:t>
             </a:fld>
             <a:endParaRPr lang="fr-CA"/>
           </a:p>
@@ -3788,623 +3971,6 @@
           <a:lstStyle/>
           <a:p>
             <a:r>
-              <a:rPr lang="en-CA" sz="2800" dirty="0"/>
-              <a:t>MESURER LE TEMPS (BOUTS DE CODE)</a:t>
-            </a:r>
-            <a:endParaRPr lang="fr-CA" sz="2800" dirty="0"/>
-          </a:p>
-        </p:txBody>
-      </p:sp>
-      <p:pic>
-        <p:nvPicPr>
-          <p:cNvPr id="14" name="Image 13">
-            <a:extLst>
-              <a:ext uri="{FF2B5EF4-FFF2-40B4-BE49-F238E27FC236}">
-                <a16:creationId xmlns:a16="http://schemas.microsoft.com/office/drawing/2014/main" id="{D2F53162-8EFE-475E-A5C7-DB500562ACB3}"/>
-              </a:ext>
-            </a:extLst>
-          </p:cNvPr>
-          <p:cNvPicPr>
-            <a:picLocks noChangeAspect="1"/>
-          </p:cNvPicPr>
-          <p:nvPr/>
-        </p:nvPicPr>
-        <p:blipFill>
-          <a:blip r:embed="rId2"/>
-          <a:stretch>
-            <a:fillRect/>
-          </a:stretch>
-        </p:blipFill>
-        <p:spPr>
-          <a:xfrm>
-            <a:off x="1996813" y="2494455"/>
-            <a:ext cx="3001994" cy="288070"/>
-          </a:xfrm>
-          <a:prstGeom prst="rect">
-            <a:avLst/>
-          </a:prstGeom>
-        </p:spPr>
-      </p:pic>
-      <p:pic>
-        <p:nvPicPr>
-          <p:cNvPr id="33" name="Image 32">
-            <a:extLst>
-              <a:ext uri="{FF2B5EF4-FFF2-40B4-BE49-F238E27FC236}">
-                <a16:creationId xmlns:a16="http://schemas.microsoft.com/office/drawing/2014/main" id="{27CAA48D-5FEB-4C27-85B1-5A7D6D9DBCC7}"/>
-              </a:ext>
-            </a:extLst>
-          </p:cNvPr>
-          <p:cNvPicPr>
-            <a:picLocks noChangeAspect="1"/>
-          </p:cNvPicPr>
-          <p:nvPr/>
-        </p:nvPicPr>
-        <p:blipFill>
-          <a:blip r:embed="rId3"/>
-          <a:stretch>
-            <a:fillRect/>
-          </a:stretch>
-        </p:blipFill>
-        <p:spPr>
-          <a:xfrm>
-            <a:off x="6842024" y="2533477"/>
-            <a:ext cx="2621507" cy="327688"/>
-          </a:xfrm>
-          <a:prstGeom prst="rect">
-            <a:avLst/>
-          </a:prstGeom>
-        </p:spPr>
-      </p:pic>
-      <p:pic>
-        <p:nvPicPr>
-          <p:cNvPr id="36" name="Image 35">
-            <a:extLst>
-              <a:ext uri="{FF2B5EF4-FFF2-40B4-BE49-F238E27FC236}">
-                <a16:creationId xmlns:a16="http://schemas.microsoft.com/office/drawing/2014/main" id="{F5BF03D4-E8F8-4B6D-9111-6BA860BAA535}"/>
-              </a:ext>
-            </a:extLst>
-          </p:cNvPr>
-          <p:cNvPicPr>
-            <a:picLocks noChangeAspect="1"/>
-          </p:cNvPicPr>
-          <p:nvPr/>
-        </p:nvPicPr>
-        <p:blipFill>
-          <a:blip r:embed="rId4"/>
-          <a:stretch>
-            <a:fillRect/>
-          </a:stretch>
-        </p:blipFill>
-        <p:spPr>
-          <a:xfrm>
-            <a:off x="2504524" y="4023346"/>
-            <a:ext cx="6317527" cy="358171"/>
-          </a:xfrm>
-          <a:prstGeom prst="rect">
-            <a:avLst/>
-          </a:prstGeom>
-        </p:spPr>
-      </p:pic>
-      <p:pic>
-        <p:nvPicPr>
-          <p:cNvPr id="38" name="Image 37">
-            <a:extLst>
-              <a:ext uri="{FF2B5EF4-FFF2-40B4-BE49-F238E27FC236}">
-                <a16:creationId xmlns:a16="http://schemas.microsoft.com/office/drawing/2014/main" id="{EA63B3C4-5B19-4B33-AF5B-94BB2E3F545B}"/>
-              </a:ext>
-            </a:extLst>
-          </p:cNvPr>
-          <p:cNvPicPr>
-            <a:picLocks noChangeAspect="1"/>
-          </p:cNvPicPr>
-          <p:nvPr/>
-        </p:nvPicPr>
-        <p:blipFill>
-          <a:blip r:embed="rId5"/>
-          <a:stretch>
-            <a:fillRect/>
-          </a:stretch>
-        </p:blipFill>
-        <p:spPr>
-          <a:xfrm>
-            <a:off x="3376063" y="5419665"/>
-            <a:ext cx="4000847" cy="388654"/>
-          </a:xfrm>
-          <a:prstGeom prst="rect">
-            <a:avLst/>
-          </a:prstGeom>
-        </p:spPr>
-      </p:pic>
-      <p:sp>
-        <p:nvSpPr>
-          <p:cNvPr id="39" name="Rectangle 38">
-            <a:extLst>
-              <a:ext uri="{FF2B5EF4-FFF2-40B4-BE49-F238E27FC236}">
-                <a16:creationId xmlns:a16="http://schemas.microsoft.com/office/drawing/2014/main" id="{BC8B228C-1F78-4B57-9871-DC0712061941}"/>
-              </a:ext>
-            </a:extLst>
-          </p:cNvPr>
-          <p:cNvSpPr/>
-          <p:nvPr/>
-        </p:nvSpPr>
-        <p:spPr>
-          <a:xfrm>
-            <a:off x="1619134" y="1690688"/>
-            <a:ext cx="3757353" cy="656706"/>
-          </a:xfrm>
-          <a:prstGeom prst="rect">
-            <a:avLst/>
-          </a:prstGeom>
-          <a:solidFill>
-            <a:schemeClr val="accent5"/>
-          </a:solidFill>
-          <a:ln>
-            <a:solidFill>
-              <a:schemeClr val="accent5"/>
-            </a:solidFill>
-          </a:ln>
-        </p:spPr>
-        <p:style>
-          <a:lnRef idx="2">
-            <a:schemeClr val="accent1">
-              <a:shade val="50000"/>
-            </a:schemeClr>
-          </a:lnRef>
-          <a:fillRef idx="1">
-            <a:schemeClr val="accent1"/>
-          </a:fillRef>
-          <a:effectRef idx="0">
-            <a:schemeClr val="accent1"/>
-          </a:effectRef>
-          <a:fontRef idx="minor">
-            <a:schemeClr val="lt1"/>
-          </a:fontRef>
-        </p:style>
-        <p:txBody>
-          <a:bodyPr rtlCol="0" anchor="ctr"/>
-          <a:lstStyle/>
-          <a:p>
-            <a:pPr algn="ctr"/>
-            <a:r>
-              <a:rPr lang="fr-CA" dirty="0"/>
-              <a:t>Créer une variable pour mettre en mémoire le temps de départ.</a:t>
-            </a:r>
-          </a:p>
-        </p:txBody>
-      </p:sp>
-      <p:sp>
-        <p:nvSpPr>
-          <p:cNvPr id="40" name="Rectangle 39">
-            <a:extLst>
-              <a:ext uri="{FF2B5EF4-FFF2-40B4-BE49-F238E27FC236}">
-                <a16:creationId xmlns:a16="http://schemas.microsoft.com/office/drawing/2014/main" id="{C3D796ED-DF5F-4FE0-897F-638D45F81C07}"/>
-              </a:ext>
-            </a:extLst>
-          </p:cNvPr>
-          <p:cNvSpPr/>
-          <p:nvPr/>
-        </p:nvSpPr>
-        <p:spPr>
-          <a:xfrm>
-            <a:off x="1619134" y="2310138"/>
-            <a:ext cx="3757353" cy="656705"/>
-          </a:xfrm>
-          <a:prstGeom prst="rect">
-            <a:avLst/>
-          </a:prstGeom>
-          <a:noFill/>
-          <a:ln>
-            <a:solidFill>
-              <a:schemeClr val="accent5"/>
-            </a:solidFill>
-          </a:ln>
-        </p:spPr>
-        <p:style>
-          <a:lnRef idx="2">
-            <a:schemeClr val="accent1">
-              <a:shade val="50000"/>
-            </a:schemeClr>
-          </a:lnRef>
-          <a:fillRef idx="1">
-            <a:schemeClr val="accent1"/>
-          </a:fillRef>
-          <a:effectRef idx="0">
-            <a:schemeClr val="accent1"/>
-          </a:effectRef>
-          <a:fontRef idx="minor">
-            <a:schemeClr val="lt1"/>
-          </a:fontRef>
-        </p:style>
-        <p:txBody>
-          <a:bodyPr rtlCol="0" anchor="ctr"/>
-          <a:lstStyle/>
-          <a:p>
-            <a:pPr algn="ctr"/>
-            <a:endParaRPr lang="fr-CA"/>
-          </a:p>
-        </p:txBody>
-      </p:sp>
-      <p:sp>
-        <p:nvSpPr>
-          <p:cNvPr id="41" name="Rectangle 40">
-            <a:extLst>
-              <a:ext uri="{FF2B5EF4-FFF2-40B4-BE49-F238E27FC236}">
-                <a16:creationId xmlns:a16="http://schemas.microsoft.com/office/drawing/2014/main" id="{9B23C17D-32D0-4CF6-A2B9-6812CEC12B71}"/>
-              </a:ext>
-            </a:extLst>
-          </p:cNvPr>
-          <p:cNvSpPr/>
-          <p:nvPr/>
-        </p:nvSpPr>
-        <p:spPr>
-          <a:xfrm>
-            <a:off x="6284290" y="1719874"/>
-            <a:ext cx="3757353" cy="656706"/>
-          </a:xfrm>
-          <a:prstGeom prst="rect">
-            <a:avLst/>
-          </a:prstGeom>
-          <a:solidFill>
-            <a:schemeClr val="accent5"/>
-          </a:solidFill>
-          <a:ln>
-            <a:solidFill>
-              <a:schemeClr val="accent5"/>
-            </a:solidFill>
-          </a:ln>
-        </p:spPr>
-        <p:style>
-          <a:lnRef idx="2">
-            <a:schemeClr val="accent1">
-              <a:shade val="50000"/>
-            </a:schemeClr>
-          </a:lnRef>
-          <a:fillRef idx="1">
-            <a:schemeClr val="accent1"/>
-          </a:fillRef>
-          <a:effectRef idx="0">
-            <a:schemeClr val="accent1"/>
-          </a:effectRef>
-          <a:fontRef idx="minor">
-            <a:schemeClr val="lt1"/>
-          </a:fontRef>
-        </p:style>
-        <p:txBody>
-          <a:bodyPr rtlCol="0" anchor="ctr"/>
-          <a:lstStyle/>
-          <a:p>
-            <a:pPr algn="ctr"/>
-            <a:r>
-              <a:rPr lang="fr-CA" dirty="0"/>
-              <a:t>Emmagasiner en mémoire le temps de départ.</a:t>
-            </a:r>
-          </a:p>
-        </p:txBody>
-      </p:sp>
-      <p:sp>
-        <p:nvSpPr>
-          <p:cNvPr id="42" name="Rectangle 41">
-            <a:extLst>
-              <a:ext uri="{FF2B5EF4-FFF2-40B4-BE49-F238E27FC236}">
-                <a16:creationId xmlns:a16="http://schemas.microsoft.com/office/drawing/2014/main" id="{E32945DF-D482-4F65-9C41-D63CD6706E9A}"/>
-              </a:ext>
-            </a:extLst>
-          </p:cNvPr>
-          <p:cNvSpPr/>
-          <p:nvPr/>
-        </p:nvSpPr>
-        <p:spPr>
-          <a:xfrm>
-            <a:off x="6284290" y="2339324"/>
-            <a:ext cx="3757353" cy="656705"/>
-          </a:xfrm>
-          <a:prstGeom prst="rect">
-            <a:avLst/>
-          </a:prstGeom>
-          <a:noFill/>
-          <a:ln>
-            <a:solidFill>
-              <a:schemeClr val="accent5"/>
-            </a:solidFill>
-          </a:ln>
-        </p:spPr>
-        <p:style>
-          <a:lnRef idx="2">
-            <a:schemeClr val="accent1">
-              <a:shade val="50000"/>
-            </a:schemeClr>
-          </a:lnRef>
-          <a:fillRef idx="1">
-            <a:schemeClr val="accent1"/>
-          </a:fillRef>
-          <a:effectRef idx="0">
-            <a:schemeClr val="accent1"/>
-          </a:effectRef>
-          <a:fontRef idx="minor">
-            <a:schemeClr val="lt1"/>
-          </a:fontRef>
-        </p:style>
-        <p:txBody>
-          <a:bodyPr rtlCol="0" anchor="ctr"/>
-          <a:lstStyle/>
-          <a:p>
-            <a:pPr algn="ctr"/>
-            <a:endParaRPr lang="fr-CA"/>
-          </a:p>
-        </p:txBody>
-      </p:sp>
-      <p:sp>
-        <p:nvSpPr>
-          <p:cNvPr id="44" name="Rectangle 43">
-            <a:extLst>
-              <a:ext uri="{FF2B5EF4-FFF2-40B4-BE49-F238E27FC236}">
-                <a16:creationId xmlns:a16="http://schemas.microsoft.com/office/drawing/2014/main" id="{4CC0A672-FE43-4BA5-A373-7A2F18C0AA4B}"/>
-              </a:ext>
-            </a:extLst>
-          </p:cNvPr>
-          <p:cNvSpPr/>
-          <p:nvPr/>
-        </p:nvSpPr>
-        <p:spPr>
-          <a:xfrm>
-            <a:off x="1619134" y="3223925"/>
-            <a:ext cx="8422509" cy="656706"/>
-          </a:xfrm>
-          <a:prstGeom prst="rect">
-            <a:avLst/>
-          </a:prstGeom>
-          <a:solidFill>
-            <a:schemeClr val="accent5"/>
-          </a:solidFill>
-          <a:ln>
-            <a:solidFill>
-              <a:schemeClr val="accent5"/>
-            </a:solidFill>
-          </a:ln>
-        </p:spPr>
-        <p:style>
-          <a:lnRef idx="2">
-            <a:schemeClr val="accent1">
-              <a:shade val="50000"/>
-            </a:schemeClr>
-          </a:lnRef>
-          <a:fillRef idx="1">
-            <a:schemeClr val="accent1"/>
-          </a:fillRef>
-          <a:effectRef idx="0">
-            <a:schemeClr val="accent1"/>
-          </a:effectRef>
-          <a:fontRef idx="minor">
-            <a:schemeClr val="lt1"/>
-          </a:fontRef>
-        </p:style>
-        <p:txBody>
-          <a:bodyPr rtlCol="0" anchor="ctr"/>
-          <a:lstStyle/>
-          <a:p>
-            <a:pPr algn="ctr"/>
-            <a:r>
-              <a:rPr lang="fr-CA" dirty="0"/>
-              <a:t>Calculer le temps écoulé.</a:t>
-            </a:r>
-          </a:p>
-        </p:txBody>
-      </p:sp>
-      <p:sp>
-        <p:nvSpPr>
-          <p:cNvPr id="45" name="Rectangle 44">
-            <a:extLst>
-              <a:ext uri="{FF2B5EF4-FFF2-40B4-BE49-F238E27FC236}">
-                <a16:creationId xmlns:a16="http://schemas.microsoft.com/office/drawing/2014/main" id="{4B9CF386-4212-4D9E-9A69-869A33CBBB9D}"/>
-              </a:ext>
-            </a:extLst>
-          </p:cNvPr>
-          <p:cNvSpPr/>
-          <p:nvPr/>
-        </p:nvSpPr>
-        <p:spPr>
-          <a:xfrm>
-            <a:off x="1619134" y="3843375"/>
-            <a:ext cx="8422509" cy="656705"/>
-          </a:xfrm>
-          <a:prstGeom prst="rect">
-            <a:avLst/>
-          </a:prstGeom>
-          <a:noFill/>
-          <a:ln>
-            <a:solidFill>
-              <a:schemeClr val="accent5"/>
-            </a:solidFill>
-          </a:ln>
-        </p:spPr>
-        <p:style>
-          <a:lnRef idx="2">
-            <a:schemeClr val="accent1">
-              <a:shade val="50000"/>
-            </a:schemeClr>
-          </a:lnRef>
-          <a:fillRef idx="1">
-            <a:schemeClr val="accent1"/>
-          </a:fillRef>
-          <a:effectRef idx="0">
-            <a:schemeClr val="accent1"/>
-          </a:effectRef>
-          <a:fontRef idx="minor">
-            <a:schemeClr val="lt1"/>
-          </a:fontRef>
-        </p:style>
-        <p:txBody>
-          <a:bodyPr rtlCol="0" anchor="ctr"/>
-          <a:lstStyle/>
-          <a:p>
-            <a:pPr algn="ctr"/>
-            <a:endParaRPr lang="fr-CA"/>
-          </a:p>
-        </p:txBody>
-      </p:sp>
-      <p:sp>
-        <p:nvSpPr>
-          <p:cNvPr id="46" name="Rectangle 45">
-            <a:extLst>
-              <a:ext uri="{FF2B5EF4-FFF2-40B4-BE49-F238E27FC236}">
-                <a16:creationId xmlns:a16="http://schemas.microsoft.com/office/drawing/2014/main" id="{02A75211-6D35-48C5-AA36-DB916E120B4F}"/>
-              </a:ext>
-            </a:extLst>
-          </p:cNvPr>
-          <p:cNvSpPr/>
-          <p:nvPr/>
-        </p:nvSpPr>
-        <p:spPr>
-          <a:xfrm>
-            <a:off x="1619134" y="4671364"/>
-            <a:ext cx="8422509" cy="656706"/>
-          </a:xfrm>
-          <a:prstGeom prst="rect">
-            <a:avLst/>
-          </a:prstGeom>
-          <a:solidFill>
-            <a:schemeClr val="accent5"/>
-          </a:solidFill>
-          <a:ln>
-            <a:solidFill>
-              <a:schemeClr val="accent5"/>
-            </a:solidFill>
-          </a:ln>
-        </p:spPr>
-        <p:style>
-          <a:lnRef idx="2">
-            <a:schemeClr val="accent1">
-              <a:shade val="50000"/>
-            </a:schemeClr>
-          </a:lnRef>
-          <a:fillRef idx="1">
-            <a:schemeClr val="accent1"/>
-          </a:fillRef>
-          <a:effectRef idx="0">
-            <a:schemeClr val="accent1"/>
-          </a:effectRef>
-          <a:fontRef idx="minor">
-            <a:schemeClr val="lt1"/>
-          </a:fontRef>
-        </p:style>
-        <p:txBody>
-          <a:bodyPr rtlCol="0" anchor="ctr"/>
-          <a:lstStyle/>
-          <a:p>
-            <a:pPr algn="ctr"/>
-            <a:r>
-              <a:rPr lang="fr-CA" dirty="0"/>
-              <a:t>Faire quelque chose si le temps écoulé a dépassé un intervalle.</a:t>
-            </a:r>
-          </a:p>
-        </p:txBody>
-      </p:sp>
-      <p:sp>
-        <p:nvSpPr>
-          <p:cNvPr id="47" name="Rectangle 46">
-            <a:extLst>
-              <a:ext uri="{FF2B5EF4-FFF2-40B4-BE49-F238E27FC236}">
-                <a16:creationId xmlns:a16="http://schemas.microsoft.com/office/drawing/2014/main" id="{E8A546A9-2EA9-4DEC-98A0-4F05A7F21672}"/>
-              </a:ext>
-            </a:extLst>
-          </p:cNvPr>
-          <p:cNvSpPr/>
-          <p:nvPr/>
-        </p:nvSpPr>
-        <p:spPr>
-          <a:xfrm>
-            <a:off x="1619134" y="5290814"/>
-            <a:ext cx="8422509" cy="656705"/>
-          </a:xfrm>
-          <a:prstGeom prst="rect">
-            <a:avLst/>
-          </a:prstGeom>
-          <a:noFill/>
-          <a:ln>
-            <a:solidFill>
-              <a:schemeClr val="accent5"/>
-            </a:solidFill>
-          </a:ln>
-        </p:spPr>
-        <p:style>
-          <a:lnRef idx="2">
-            <a:schemeClr val="accent1">
-              <a:shade val="50000"/>
-            </a:schemeClr>
-          </a:lnRef>
-          <a:fillRef idx="1">
-            <a:schemeClr val="accent1"/>
-          </a:fillRef>
-          <a:effectRef idx="0">
-            <a:schemeClr val="accent1"/>
-          </a:effectRef>
-          <a:fontRef idx="minor">
-            <a:schemeClr val="lt1"/>
-          </a:fontRef>
-        </p:style>
-        <p:txBody>
-          <a:bodyPr rtlCol="0" anchor="ctr"/>
-          <a:lstStyle/>
-          <a:p>
-            <a:pPr algn="ctr"/>
-            <a:endParaRPr lang="fr-CA"/>
-          </a:p>
-        </p:txBody>
-      </p:sp>
-    </p:spTree>
-    <p:extLst>
-      <p:ext uri="{BB962C8B-B14F-4D97-AF65-F5344CB8AC3E}">
-        <p14:creationId xmlns:p14="http://schemas.microsoft.com/office/powerpoint/2010/main" val="3771328365"/>
-      </p:ext>
-    </p:extLst>
-  </p:cSld>
-  <p:clrMapOvr>
-    <a:masterClrMapping/>
-  </p:clrMapOvr>
-</p:sld>
-</file>
-
-<file path=ppt/slides/slide2.xml><?xml version="1.0" encoding="utf-8"?>
-<p:sld xmlns:a="http://schemas.openxmlformats.org/drawingml/2006/main" xmlns:r="http://schemas.openxmlformats.org/officeDocument/2006/relationships" xmlns:p="http://schemas.openxmlformats.org/presentationml/2006/main">
-  <p:cSld>
-    <p:spTree>
-      <p:nvGrpSpPr>
-        <p:cNvPr id="1" name=""/>
-        <p:cNvGrpSpPr/>
-        <p:nvPr/>
-      </p:nvGrpSpPr>
-      <p:grpSpPr>
-        <a:xfrm>
-          <a:off x="0" y="0"/>
-          <a:ext cx="0" cy="0"/>
-          <a:chOff x="0" y="0"/>
-          <a:chExt cx="0" cy="0"/>
-        </a:xfrm>
-      </p:grpSpPr>
-      <p:sp>
-        <p:nvSpPr>
-          <p:cNvPr id="2" name="Titre 1">
-            <a:extLst>
-              <a:ext uri="{FF2B5EF4-FFF2-40B4-BE49-F238E27FC236}">
-                <a16:creationId xmlns:a16="http://schemas.microsoft.com/office/drawing/2014/main" id="{7005A587-273D-4A3C-859E-17AD32EABF34}"/>
-              </a:ext>
-            </a:extLst>
-          </p:cNvPr>
-          <p:cNvSpPr>
-            <a:spLocks noGrp="1"/>
-          </p:cNvSpPr>
-          <p:nvPr>
-            <p:ph type="title"/>
-          </p:nvPr>
-        </p:nvSpPr>
-        <p:spPr/>
-        <p:txBody>
-          <a:bodyPr>
-            <a:normAutofit/>
-          </a:bodyPr>
-          <a:lstStyle/>
-          <a:p>
-            <a:r>
               <a:rPr lang="en-CA" sz="2400" dirty="0"/>
               <a:t>SABLIER LUMINEUX</a:t>
             </a:r>
@@ -4589,7 +4155,7 @@
 </p:sld>
 </file>
 
-<file path=ppt/slides/slide3.xml><?xml version="1.0" encoding="utf-8"?>
+<file path=ppt/slides/slide2.xml><?xml version="1.0" encoding="utf-8"?>
 <p:sld xmlns:a="http://schemas.openxmlformats.org/drawingml/2006/main" xmlns:r="http://schemas.openxmlformats.org/officeDocument/2006/relationships" xmlns:p="http://schemas.openxmlformats.org/presentationml/2006/main">
   <p:cSld>
     <p:spTree>
@@ -4680,7 +4246,7 @@
 </p:sld>
 </file>
 
-<file path=ppt/slides/slide4.xml><?xml version="1.0" encoding="utf-8"?>
+<file path=ppt/slides/slide3.xml><?xml version="1.0" encoding="utf-8"?>
 <p:sld xmlns:a="http://schemas.openxmlformats.org/drawingml/2006/main" xmlns:r="http://schemas.openxmlformats.org/officeDocument/2006/relationships" xmlns:p="http://schemas.openxmlformats.org/presentationml/2006/main">
   <p:cSld>
     <p:spTree>
@@ -4802,7 +4368,7 @@
 </p:sld>
 </file>
 
-<file path=ppt/slides/slide5.xml><?xml version="1.0" encoding="utf-8"?>
+<file path=ppt/slides/slide4.xml><?xml version="1.0" encoding="utf-8"?>
 <p:sld xmlns:a="http://schemas.openxmlformats.org/drawingml/2006/main" xmlns:r="http://schemas.openxmlformats.org/officeDocument/2006/relationships" xmlns:p="http://schemas.openxmlformats.org/presentationml/2006/main">
   <p:cSld>
     <p:spTree>
